--- a/Exercise_5/DevOpsSecPipeline.pptx
+++ b/Exercise_5/DevOpsSecPipeline.pptx
@@ -5579,7 +5579,7 @@
         </p:nvSpPr>
         <p:spPr>
           <a:xfrm>
-            <a:off x="2996181" y="3777993"/>
+            <a:off x="1950710" y="3838953"/>
             <a:ext cx="1308000" cy="597600"/>
           </a:xfrm>
           <a:prstGeom prst="rect">
@@ -5623,7 +5623,7 @@
         </p:nvSpPr>
         <p:spPr>
           <a:xfrm>
-            <a:off x="7395961" y="1974150"/>
+            <a:off x="5197482" y="2272950"/>
             <a:ext cx="1666500" cy="597600"/>
           </a:xfrm>
           <a:prstGeom prst="rect">
@@ -5667,7 +5667,7 @@
         </p:nvSpPr>
         <p:spPr>
           <a:xfrm>
-            <a:off x="5734309" y="2801104"/>
+            <a:off x="4423650" y="3341543"/>
             <a:ext cx="1308000" cy="718844"/>
           </a:xfrm>
           <a:prstGeom prst="rect">
@@ -5711,7 +5711,7 @@
         </p:nvSpPr>
         <p:spPr>
           <a:xfrm>
-            <a:off x="0" y="1490110"/>
+            <a:off x="0" y="428390"/>
             <a:ext cx="1308000" cy="597600"/>
           </a:xfrm>
           <a:prstGeom prst="rect">
@@ -5755,7 +5755,7 @@
         </p:nvSpPr>
         <p:spPr>
           <a:xfrm>
-            <a:off x="0" y="2756991"/>
+            <a:off x="-55880" y="4230191"/>
             <a:ext cx="1308000" cy="597600"/>
           </a:xfrm>
           <a:prstGeom prst="rect">
@@ -5802,13 +5802,15 @@
           <p:nvPr/>
         </p:nvCxnSpPr>
         <p:spPr>
-          <a:xfrm flipV="1">
-            <a:off x="7042309" y="2272950"/>
-            <a:ext cx="353652" cy="887576"/>
+          <a:xfrm flipH="1" flipV="1">
+            <a:off x="5197482" y="2571750"/>
+            <a:ext cx="534168" cy="1129215"/>
           </a:xfrm>
-          <a:prstGeom prst="bentConnector3">
+          <a:prstGeom prst="bentConnector5">
             <a:avLst>
-              <a:gd name="adj1" fmla="val 50000"/>
+              <a:gd name="adj1" fmla="val -42796"/>
+              <a:gd name="adj2" fmla="val 52684"/>
+              <a:gd name="adj3" fmla="val 142796"/>
             </a:avLst>
           </a:prstGeom>
           <a:noFill/>
@@ -5837,7 +5839,7 @@
         </p:nvSpPr>
         <p:spPr>
           <a:xfrm>
-            <a:off x="3059203" y="2087710"/>
+            <a:off x="2087931" y="2246534"/>
             <a:ext cx="971272" cy="597600"/>
           </a:xfrm>
           <a:prstGeom prst="rect">
@@ -5887,7 +5889,7 @@
         </p:nvSpPr>
         <p:spPr>
           <a:xfrm>
-            <a:off x="1354284" y="1911294"/>
+            <a:off x="11852" y="2060170"/>
             <a:ext cx="1261716" cy="950432"/>
           </a:xfrm>
           <a:prstGeom prst="rect">
@@ -5940,12 +5942,15 @@
           <p:nvPr/>
         </p:nvCxnSpPr>
         <p:spPr>
-          <a:xfrm flipV="1">
-            <a:off x="1308000" y="2861726"/>
-            <a:ext cx="677142" cy="194065"/>
+          <a:xfrm flipH="1" flipV="1">
+            <a:off x="642710" y="3010602"/>
+            <a:ext cx="609410" cy="1518389"/>
           </a:xfrm>
-          <a:prstGeom prst="bentConnector2">
-            <a:avLst/>
+          <a:prstGeom prst="bentConnector4">
+            <a:avLst>
+              <a:gd name="adj1" fmla="val -37512"/>
+              <a:gd name="adj2" fmla="val 59839"/>
+            </a:avLst>
           </a:prstGeom>
           <a:ln>
             <a:solidFill>
@@ -5986,12 +5991,15 @@
           <p:nvPr/>
         </p:nvCxnSpPr>
         <p:spPr>
-          <a:xfrm>
-            <a:off x="1308000" y="1788910"/>
-            <a:ext cx="677142" cy="122384"/>
+          <a:xfrm flipH="1">
+            <a:off x="642710" y="727190"/>
+            <a:ext cx="665290" cy="1332980"/>
           </a:xfrm>
-          <a:prstGeom prst="bentConnector2">
-            <a:avLst/>
+          <a:prstGeom prst="bentConnector4">
+            <a:avLst>
+              <a:gd name="adj1" fmla="val -34361"/>
+              <a:gd name="adj2" fmla="val 61208"/>
+            </a:avLst>
           </a:prstGeom>
           <a:ln>
             <a:solidFill>
@@ -6032,8 +6040,8 @@
         </p:nvCxnSpPr>
         <p:spPr>
           <a:xfrm>
-            <a:off x="2616000" y="2386510"/>
-            <a:ext cx="443203" cy="12700"/>
+            <a:off x="1273568" y="2535386"/>
+            <a:ext cx="814363" cy="9948"/>
           </a:xfrm>
           <a:prstGeom prst="bentConnector3">
             <a:avLst/>
@@ -6043,48 +6051,6 @@
               <a:schemeClr val="tx1"/>
             </a:solidFill>
             <a:tailEnd type="triangle"/>
-          </a:ln>
-        </p:spPr>
-        <p:style>
-          <a:lnRef idx="1">
-            <a:schemeClr val="accent1"/>
-          </a:lnRef>
-          <a:fillRef idx="0">
-            <a:schemeClr val="accent1"/>
-          </a:fillRef>
-          <a:effectRef idx="0">
-            <a:schemeClr val="accent1"/>
-          </a:effectRef>
-          <a:fontRef idx="minor">
-            <a:schemeClr val="tx1"/>
-          </a:fontRef>
-        </p:style>
-      </p:cxnSp>
-      <p:cxnSp>
-        <p:nvCxnSpPr>
-          <p:cNvPr id="30" name="Connector: Elbow 29">
-            <a:extLst>
-              <a:ext uri="{FF2B5EF4-FFF2-40B4-BE49-F238E27FC236}">
-                <a16:creationId xmlns:a16="http://schemas.microsoft.com/office/drawing/2014/main" id="{880D0CD0-4C48-43AF-BF4B-0F2DC04E2FD8}"/>
-              </a:ext>
-            </a:extLst>
-          </p:cNvPr>
-          <p:cNvCxnSpPr>
-            <a:cxnSpLocks/>
-          </p:cNvCxnSpPr>
-          <p:nvPr/>
-        </p:nvCxnSpPr>
-        <p:spPr>
-          <a:xfrm rot="16200000" flipV="1">
-            <a:off x="3075745" y="3154403"/>
-            <a:ext cx="1050948" cy="112761"/>
-          </a:xfrm>
-          <a:prstGeom prst="bentConnector3">
-            <a:avLst/>
-          </a:prstGeom>
-          <a:ln>
-            <a:headEnd type="triangle" w="med" len="med"/>
-            <a:tailEnd type="triangle" w="med" len="med"/>
           </a:ln>
         </p:spPr>
         <p:style>
@@ -6116,7 +6082,7 @@
         </p:nvSpPr>
         <p:spPr>
           <a:xfrm>
-            <a:off x="4426309" y="2067220"/>
+            <a:off x="3515510" y="2240160"/>
             <a:ext cx="1308000" cy="597600"/>
           </a:xfrm>
           <a:prstGeom prst="rect">
@@ -6169,8 +6135,8 @@
         </p:nvCxnSpPr>
         <p:spPr>
           <a:xfrm flipV="1">
-            <a:off x="4030475" y="2366020"/>
-            <a:ext cx="395834" cy="20490"/>
+            <a:off x="3059203" y="2538960"/>
+            <a:ext cx="456307" cy="6374"/>
           </a:xfrm>
           <a:prstGeom prst="bentConnector3">
             <a:avLst/>
@@ -6214,8 +6180,8 @@
         </p:nvCxnSpPr>
         <p:spPr>
           <a:xfrm rot="16200000" flipH="1">
-            <a:off x="5159456" y="2585673"/>
-            <a:ext cx="495706" cy="654000"/>
+            <a:off x="3864978" y="3142292"/>
+            <a:ext cx="863205" cy="254140"/>
           </a:xfrm>
           <a:prstGeom prst="bentConnector2">
             <a:avLst/>
@@ -6356,9 +6322,9 @@
           <p:nvPr/>
         </p:nvCxnSpPr>
         <p:spPr>
-          <a:xfrm rot="16200000" flipV="1">
-            <a:off x="4712038" y="1698948"/>
-            <a:ext cx="733885" cy="2659"/>
+          <a:xfrm rot="5400000" flipH="1" flipV="1">
+            <a:off x="4170168" y="1332678"/>
+            <a:ext cx="906825" cy="908140"/>
           </a:xfrm>
           <a:prstGeom prst="bentConnector3">
             <a:avLst/>
@@ -6367,6 +6333,234 @@
             <a:solidFill>
               <a:srgbClr val="FF0000"/>
             </a:solidFill>
+            <a:tailEnd type="triangle"/>
+          </a:ln>
+        </p:spPr>
+        <p:style>
+          <a:lnRef idx="1">
+            <a:schemeClr val="accent1"/>
+          </a:lnRef>
+          <a:fillRef idx="0">
+            <a:schemeClr val="accent1"/>
+          </a:fillRef>
+          <a:effectRef idx="0">
+            <a:schemeClr val="accent1"/>
+          </a:effectRef>
+          <a:fontRef idx="minor">
+            <a:schemeClr val="tx1"/>
+          </a:fontRef>
+        </p:style>
+      </p:cxnSp>
+      <p:cxnSp>
+        <p:nvCxnSpPr>
+          <p:cNvPr id="10" name="Connector: Elbow 9">
+            <a:extLst>
+              <a:ext uri="{FF2B5EF4-FFF2-40B4-BE49-F238E27FC236}">
+                <a16:creationId xmlns:a16="http://schemas.microsoft.com/office/drawing/2014/main" id="{26837B00-35F5-4BA0-9E93-4878191F1CB7}"/>
+              </a:ext>
+            </a:extLst>
+          </p:cNvPr>
+          <p:cNvCxnSpPr>
+            <a:stCxn id="54" idx="0"/>
+            <a:endCxn id="11" idx="2"/>
+          </p:cNvCxnSpPr>
+          <p:nvPr/>
+        </p:nvCxnSpPr>
+        <p:spPr>
+          <a:xfrm rot="16200000" flipV="1">
+            <a:off x="2091730" y="3325972"/>
+            <a:ext cx="994819" cy="31143"/>
+          </a:xfrm>
+          <a:prstGeom prst="bentConnector3">
+            <a:avLst/>
+          </a:prstGeom>
+          <a:ln>
+            <a:tailEnd type="triangle"/>
+          </a:ln>
+        </p:spPr>
+        <p:style>
+          <a:lnRef idx="1">
+            <a:schemeClr val="accent1"/>
+          </a:lnRef>
+          <a:fillRef idx="0">
+            <a:schemeClr val="accent1"/>
+          </a:fillRef>
+          <a:effectRef idx="0">
+            <a:schemeClr val="accent1"/>
+          </a:effectRef>
+          <a:fontRef idx="minor">
+            <a:schemeClr val="tx1"/>
+          </a:fontRef>
+        </p:style>
+      </p:cxnSp>
+      <p:sp>
+        <p:nvSpPr>
+          <p:cNvPr id="34" name="Google Shape;55;p13">
+            <a:extLst>
+              <a:ext uri="{FF2B5EF4-FFF2-40B4-BE49-F238E27FC236}">
+                <a16:creationId xmlns:a16="http://schemas.microsoft.com/office/drawing/2014/main" id="{CE7CC235-2EEE-4249-B4D9-26E26E0A02A3}"/>
+              </a:ext>
+            </a:extLst>
+          </p:cNvPr>
+          <p:cNvSpPr/>
+          <p:nvPr/>
+        </p:nvSpPr>
+        <p:spPr>
+          <a:xfrm>
+            <a:off x="7259320" y="660138"/>
+            <a:ext cx="1777222" cy="990862"/>
+          </a:xfrm>
+          <a:prstGeom prst="rect">
+            <a:avLst/>
+          </a:prstGeom>
+          <a:solidFill>
+            <a:srgbClr val="CFE2F3"/>
+          </a:solidFill>
+          <a:ln>
+            <a:noFill/>
+          </a:ln>
+        </p:spPr>
+        <p:txBody>
+          <a:bodyPr spcFirstLastPara="1" wrap="square" lIns="91425" tIns="91425" rIns="91425" bIns="91425" anchor="ctr" anchorCtr="0">
+            <a:noAutofit/>
+          </a:bodyPr>
+          <a:lstStyle/>
+          <a:p>
+            <a:pPr marL="0" lvl="0" indent="0" algn="ctr" rtl="0">
+              <a:spcBef>
+                <a:spcPts val="0"/>
+              </a:spcBef>
+              <a:spcAft>
+                <a:spcPts val="0"/>
+              </a:spcAft>
+              <a:buNone/>
+            </a:pPr>
+            <a:r>
+              <a:rPr lang="en" sz="1000" dirty="0"/>
+              <a:t>Guard Duty + AWS Inspector (Triggered periodically with a Lambda Function) + AWS Security Hub</a:t>
+            </a:r>
+            <a:endParaRPr sz="1000" dirty="0"/>
+          </a:p>
+        </p:txBody>
+      </p:sp>
+      <p:sp>
+        <p:nvSpPr>
+          <p:cNvPr id="37" name="Google Shape;55;p13">
+            <a:extLst>
+              <a:ext uri="{FF2B5EF4-FFF2-40B4-BE49-F238E27FC236}">
+                <a16:creationId xmlns:a16="http://schemas.microsoft.com/office/drawing/2014/main" id="{518ECA50-CFD0-41C1-B62C-217C2E269DD5}"/>
+              </a:ext>
+            </a:extLst>
+          </p:cNvPr>
+          <p:cNvSpPr/>
+          <p:nvPr/>
+        </p:nvSpPr>
+        <p:spPr>
+          <a:xfrm>
+            <a:off x="7370042" y="2272950"/>
+            <a:ext cx="1666500" cy="597600"/>
+          </a:xfrm>
+          <a:prstGeom prst="rect">
+            <a:avLst/>
+          </a:prstGeom>
+          <a:solidFill>
+            <a:srgbClr val="CFE2F3"/>
+          </a:solidFill>
+          <a:ln>
+            <a:noFill/>
+          </a:ln>
+        </p:spPr>
+        <p:txBody>
+          <a:bodyPr spcFirstLastPara="1" wrap="square" lIns="91425" tIns="91425" rIns="91425" bIns="91425" anchor="ctr" anchorCtr="0">
+            <a:noAutofit/>
+          </a:bodyPr>
+          <a:lstStyle/>
+          <a:p>
+            <a:pPr marL="0" lvl="0" indent="0" algn="ctr" rtl="0">
+              <a:spcBef>
+                <a:spcPts val="0"/>
+              </a:spcBef>
+              <a:spcAft>
+                <a:spcPts val="0"/>
+              </a:spcAft>
+              <a:buNone/>
+            </a:pPr>
+            <a:r>
+              <a:rPr lang="en" sz="1000" dirty="0"/>
+              <a:t>Post Deployment/Production</a:t>
+            </a:r>
+          </a:p>
+        </p:txBody>
+      </p:sp>
+      <p:cxnSp>
+        <p:nvCxnSpPr>
+          <p:cNvPr id="25" name="Connector: Elbow 24">
+            <a:extLst>
+              <a:ext uri="{FF2B5EF4-FFF2-40B4-BE49-F238E27FC236}">
+                <a16:creationId xmlns:a16="http://schemas.microsoft.com/office/drawing/2014/main" id="{94FB0E4A-241E-4B8B-A458-77D2F5C2C85E}"/>
+              </a:ext>
+            </a:extLst>
+          </p:cNvPr>
+          <p:cNvCxnSpPr>
+            <a:stCxn id="55" idx="3"/>
+            <a:endCxn id="37" idx="1"/>
+          </p:cNvCxnSpPr>
+          <p:nvPr/>
+        </p:nvCxnSpPr>
+        <p:spPr>
+          <a:xfrm>
+            <a:off x="6863982" y="2571750"/>
+            <a:ext cx="506060" cy="12700"/>
+          </a:xfrm>
+          <a:prstGeom prst="bentConnector3">
+            <a:avLst/>
+          </a:prstGeom>
+          <a:ln>
+            <a:solidFill>
+              <a:srgbClr val="00B050"/>
+            </a:solidFill>
+            <a:tailEnd type="triangle"/>
+          </a:ln>
+        </p:spPr>
+        <p:style>
+          <a:lnRef idx="1">
+            <a:schemeClr val="accent1"/>
+          </a:lnRef>
+          <a:fillRef idx="0">
+            <a:schemeClr val="accent1"/>
+          </a:fillRef>
+          <a:effectRef idx="0">
+            <a:schemeClr val="accent1"/>
+          </a:effectRef>
+          <a:fontRef idx="minor">
+            <a:schemeClr val="tx1"/>
+          </a:fontRef>
+        </p:style>
+      </p:cxnSp>
+      <p:cxnSp>
+        <p:nvCxnSpPr>
+          <p:cNvPr id="29" name="Connector: Elbow 28">
+            <a:extLst>
+              <a:ext uri="{FF2B5EF4-FFF2-40B4-BE49-F238E27FC236}">
+                <a16:creationId xmlns:a16="http://schemas.microsoft.com/office/drawing/2014/main" id="{ECB94648-D832-43DA-9AC0-F7D3D319837A}"/>
+              </a:ext>
+            </a:extLst>
+          </p:cNvPr>
+          <p:cNvCxnSpPr>
+            <a:stCxn id="34" idx="2"/>
+            <a:endCxn id="37" idx="0"/>
+          </p:cNvCxnSpPr>
+          <p:nvPr/>
+        </p:nvCxnSpPr>
+        <p:spPr>
+          <a:xfrm rot="16200000" flipH="1">
+            <a:off x="7864636" y="1934294"/>
+            <a:ext cx="621950" cy="55361"/>
+          </a:xfrm>
+          <a:prstGeom prst="bentConnector3">
+            <a:avLst/>
+          </a:prstGeom>
+          <a:ln>
             <a:tailEnd type="triangle"/>
           </a:ln>
         </p:spPr>
